--- a/DAMG_Project_presentation (1).pptx
+++ b/DAMG_Project_presentation (1).pptx
@@ -5952,7 +5952,7 @@
         </p:spPr>
         <p:txBody>
           <a:bodyPr anchor="ctr">
-            <a:normAutofit fontScale="92500" lnSpcReduction="20000"/>
+            <a:normAutofit fontScale="85000" lnSpcReduction="20000"/>
           </a:bodyPr>
           <a:lstStyle/>
           <a:p>
@@ -6097,6 +6097,16 @@
             <a:r>
               <a:rPr lang="en-US" sz="1800" dirty="0"/>
               <a:t>SQL Sequence</a:t>
+            </a:r>
+          </a:p>
+          <a:p>
+            <a:pPr marL="457200" indent="-457200">
+              <a:buFont typeface="+mj-lt"/>
+              <a:buAutoNum type="arabicPeriod"/>
+            </a:pPr>
+            <a:r>
+              <a:rPr lang="en-US" sz="1800" dirty="0"/>
+              <a:t>Functions</a:t>
             </a:r>
           </a:p>
           <a:p>
@@ -6307,38 +6317,65 @@
           </a:p>
         </p:txBody>
       </p:sp>
-      <p:sp>
-        <p:nvSpPr>
-          <p:cNvPr id="3" name="Content Placeholder 2">
-            <a:extLst>
-              <a:ext uri="{FF2B5EF4-FFF2-40B4-BE49-F238E27FC236}">
-                <a16:creationId xmlns:a16="http://schemas.microsoft.com/office/drawing/2014/main" id="{C0B2ED02-7333-4F7B-42EA-C2ACC857F0F2}"/>
-              </a:ext>
-            </a:extLst>
-          </p:cNvPr>
-          <p:cNvSpPr>
-            <a:spLocks noGrp="1"/>
-          </p:cNvSpPr>
+      <p:pic>
+        <p:nvPicPr>
+          <p:cNvPr id="5" name="Content Placeholder 4" descr="Chart, bar chart&#10;&#10;Description automatically generated">
+            <a:extLst>
+              <a:ext uri="{FF2B5EF4-FFF2-40B4-BE49-F238E27FC236}">
+                <a16:creationId xmlns:a16="http://schemas.microsoft.com/office/drawing/2014/main" id="{E66A1A2B-B44A-4425-A7D3-E967247210C1}"/>
+              </a:ext>
+            </a:extLst>
+          </p:cNvPr>
+          <p:cNvPicPr>
+            <a:picLocks noGrp="1" noChangeAspect="1"/>
+          </p:cNvPicPr>
           <p:nvPr>
             <p:ph idx="1"/>
           </p:nvPr>
-        </p:nvSpPr>
-        <p:spPr>
-          <a:xfrm>
-            <a:off x="5231958" y="605896"/>
-            <a:ext cx="5923721" cy="5646208"/>
-          </a:xfrm>
-        </p:spPr>
-        <p:txBody>
-          <a:bodyPr anchor="ctr">
-            <a:normAutofit/>
-          </a:bodyPr>
-          <a:lstStyle/>
-          <a:p>
-            <a:endParaRPr lang="en-US" sz="2400"/>
-          </a:p>
-        </p:txBody>
-      </p:sp>
+        </p:nvPicPr>
+        <p:blipFill>
+          <a:blip r:embed="rId2"/>
+          <a:stretch>
+            <a:fillRect/>
+          </a:stretch>
+        </p:blipFill>
+        <p:spPr>
+          <a:xfrm>
+            <a:off x="5058229" y="308495"/>
+            <a:ext cx="5922963" cy="3476038"/>
+          </a:xfrm>
+        </p:spPr>
+      </p:pic>
+      <p:pic>
+        <p:nvPicPr>
+          <p:cNvPr id="7" name="Picture 6" descr="Chart, bar chart&#10;&#10;Description automatically generated">
+            <a:extLst>
+              <a:ext uri="{FF2B5EF4-FFF2-40B4-BE49-F238E27FC236}">
+                <a16:creationId xmlns:a16="http://schemas.microsoft.com/office/drawing/2014/main" id="{6E1A6C69-57B8-4A32-BF36-E5C8B7B5D65B}"/>
+              </a:ext>
+            </a:extLst>
+          </p:cNvPr>
+          <p:cNvPicPr>
+            <a:picLocks noChangeAspect="1"/>
+          </p:cNvPicPr>
+          <p:nvPr/>
+        </p:nvPicPr>
+        <p:blipFill>
+          <a:blip r:embed="rId3"/>
+          <a:stretch>
+            <a:fillRect/>
+          </a:stretch>
+        </p:blipFill>
+        <p:spPr>
+          <a:xfrm>
+            <a:off x="5058229" y="3900488"/>
+            <a:ext cx="5922963" cy="2957512"/>
+          </a:xfrm>
+          <a:prstGeom prst="rect">
+            <a:avLst/>
+          </a:prstGeom>
+        </p:spPr>
+      </p:pic>
     </p:spTree>
     <p:extLst>
       <p:ext uri="{BB962C8B-B14F-4D97-AF65-F5344CB8AC3E}">
